--- a/Auto skola.pptx
+++ b/Auto skola.pptx
@@ -113,6 +113,11 @@
       </a:defRPr>
     </a:lvl9pPr>
   </p:defaultTextStyle>
+  <p:extLst>
+    <p:ext uri="{EFAFB233-063F-42B5-8137-9DF3F51BA10A}">
+      <p15:sldGuideLst xmlns:p15="http://schemas.microsoft.com/office/powerpoint/2012/main"/>
+    </p:ext>
+  </p:extLst>
 </p:presentation>
 </file>
 
@@ -4755,23 +4760,52 @@
           <a:lstStyle/>
           <a:p>
             <a:r>
-              <a:rPr lang="en-US"/>
-              <a:t>- Erwin data modeler alat</a:t>
-            </a:r>
-          </a:p>
-          <a:p>
-            <a:endParaRPr lang="en-US"/>
-          </a:p>
-          <a:p>
-            <a:endParaRPr lang="en-US"/>
-          </a:p>
-          <a:p>
-            <a:endParaRPr lang="en-US"/>
-          </a:p>
-          <a:p>
-            <a:r>
-              <a:rPr lang="en-US"/>
-              <a:t>- Specifikacija baze podataka </a:t>
+              <a:rPr lang="en-US" dirty="0"/>
+              <a:t>- Erwin data modeler </a:t>
+            </a:r>
+            <a:r>
+              <a:rPr lang="en-US" dirty="0" err="1"/>
+              <a:t>alat</a:t>
+            </a:r>
+            <a:endParaRPr lang="en-US" dirty="0"/>
+          </a:p>
+          <a:p>
+            <a:endParaRPr lang="en-US" dirty="0"/>
+          </a:p>
+          <a:p>
+            <a:endParaRPr lang="en-US" dirty="0"/>
+          </a:p>
+          <a:p>
+            <a:endParaRPr lang="en-US" dirty="0"/>
+          </a:p>
+          <a:p>
+            <a:r>
+              <a:rPr lang="en-US" dirty="0"/>
+              <a:t>- </a:t>
+            </a:r>
+            <a:r>
+              <a:rPr lang="en-US" dirty="0" err="1"/>
+              <a:t>Specifikacija</a:t>
+            </a:r>
+            <a:r>
+              <a:rPr lang="en-US" dirty="0"/>
+              <a:t> </a:t>
+            </a:r>
+            <a:r>
+              <a:rPr lang="en-US" dirty="0" err="1"/>
+              <a:t>baze</a:t>
+            </a:r>
+            <a:r>
+              <a:rPr lang="en-US" dirty="0"/>
+              <a:t> </a:t>
+            </a:r>
+            <a:r>
+              <a:rPr lang="en-US" dirty="0" err="1"/>
+              <a:t>podataka</a:t>
+            </a:r>
+            <a:r>
+              <a:rPr lang="en-US" dirty="0"/>
+              <a:t> </a:t>
             </a:r>
           </a:p>
           <a:p>
@@ -4780,9 +4814,94 @@
               <a:buChar char="•"/>
             </a:pPr>
             <a:r>
-              <a:rPr lang="en-US"/>
-              <a:t> Uvod : namena, ciljne grupe, organizacija dokumenta, recnik pojmova I skracenica, otvorena pitanja</a:t>
-            </a:r>
+              <a:rPr lang="en-US" dirty="0"/>
+              <a:t> </a:t>
+            </a:r>
+            <a:r>
+              <a:rPr lang="en-US" dirty="0" err="1"/>
+              <a:t>Uvod</a:t>
+            </a:r>
+            <a:r>
+              <a:rPr lang="en-US" dirty="0"/>
+              <a:t> : </a:t>
+            </a:r>
+            <a:r>
+              <a:rPr lang="en-US" dirty="0" err="1"/>
+              <a:t>namena</a:t>
+            </a:r>
+            <a:r>
+              <a:rPr lang="en-US" dirty="0"/>
+              <a:t>, </a:t>
+            </a:r>
+            <a:r>
+              <a:rPr lang="en-US" dirty="0" err="1"/>
+              <a:t>ciljne</a:t>
+            </a:r>
+            <a:r>
+              <a:rPr lang="en-US" dirty="0"/>
+              <a:t> </a:t>
+            </a:r>
+            <a:r>
+              <a:rPr lang="en-US" dirty="0" err="1"/>
+              <a:t>grupe</a:t>
+            </a:r>
+            <a:r>
+              <a:rPr lang="en-US" dirty="0"/>
+              <a:t>, </a:t>
+            </a:r>
+            <a:r>
+              <a:rPr lang="en-US" dirty="0" err="1"/>
+              <a:t>organizacija</a:t>
+            </a:r>
+            <a:r>
+              <a:rPr lang="en-US" dirty="0"/>
+              <a:t> </a:t>
+            </a:r>
+            <a:r>
+              <a:rPr lang="en-US" dirty="0" err="1"/>
+              <a:t>dokumenta</a:t>
+            </a:r>
+            <a:r>
+              <a:rPr lang="en-US" dirty="0"/>
+              <a:t>, </a:t>
+            </a:r>
+            <a:r>
+              <a:rPr lang="en-US" dirty="0" err="1"/>
+              <a:t>recnik</a:t>
+            </a:r>
+            <a:r>
+              <a:rPr lang="en-US" dirty="0"/>
+              <a:t> </a:t>
+            </a:r>
+            <a:r>
+              <a:rPr lang="en-US" dirty="0" err="1"/>
+              <a:t>pojmova</a:t>
+            </a:r>
+            <a:r>
+              <a:rPr lang="en-US" dirty="0"/>
+              <a:t> I </a:t>
+            </a:r>
+            <a:r>
+              <a:rPr lang="en-US" dirty="0" err="1"/>
+              <a:t>skracenica</a:t>
+            </a:r>
+            <a:r>
+              <a:rPr lang="en-US" dirty="0"/>
+              <a:t>, </a:t>
+            </a:r>
+            <a:r>
+              <a:rPr lang="en-US" dirty="0" err="1"/>
+              <a:t>otvorena</a:t>
+            </a:r>
+            <a:r>
+              <a:rPr lang="en-US" dirty="0"/>
+              <a:t> </a:t>
+            </a:r>
+            <a:r>
+              <a:rPr lang="en-US" dirty="0" err="1"/>
+              <a:t>pitanja</a:t>
+            </a:r>
+            <a:endParaRPr lang="en-US" dirty="0"/>
           </a:p>
           <a:p>
             <a:pPr>
@@ -4790,9 +4909,54 @@
               <a:buChar char="•"/>
             </a:pPr>
             <a:r>
-              <a:rPr lang="en-US"/>
-              <a:t> Model podataka : IE notacija, Sema relacione baze podataka</a:t>
-            </a:r>
+              <a:rPr lang="en-US" dirty="0"/>
+              <a:t> Model </a:t>
+            </a:r>
+            <a:r>
+              <a:rPr lang="en-US" dirty="0" err="1"/>
+              <a:t>podataka</a:t>
+            </a:r>
+            <a:r>
+              <a:rPr lang="en-US" dirty="0"/>
+              <a:t> : IE </a:t>
+            </a:r>
+            <a:r>
+              <a:rPr lang="en-US" dirty="0" err="1"/>
+              <a:t>notacija</a:t>
+            </a:r>
+            <a:r>
+              <a:rPr lang="en-US" dirty="0"/>
+              <a:t>, </a:t>
+            </a:r>
+            <a:r>
+              <a:rPr lang="en-US" dirty="0" err="1"/>
+              <a:t>Sema</a:t>
+            </a:r>
+            <a:r>
+              <a:rPr lang="en-US" dirty="0"/>
+              <a:t> </a:t>
+            </a:r>
+            <a:r>
+              <a:rPr lang="en-US" dirty="0" err="1"/>
+              <a:t>relacione</a:t>
+            </a:r>
+            <a:r>
+              <a:rPr lang="en-US" dirty="0"/>
+              <a:t> </a:t>
+            </a:r>
+            <a:r>
+              <a:rPr lang="en-US" dirty="0" err="1"/>
+              <a:t>baze</a:t>
+            </a:r>
+            <a:r>
+              <a:rPr lang="en-US" dirty="0"/>
+              <a:t> </a:t>
+            </a:r>
+            <a:r>
+              <a:rPr lang="en-US" dirty="0" err="1"/>
+              <a:t>podataka</a:t>
+            </a:r>
+            <a:endParaRPr lang="en-US" dirty="0"/>
           </a:p>
           <a:p>
             <a:pPr>
@@ -4800,12 +4964,85 @@
               <a:buChar char="•"/>
             </a:pPr>
             <a:r>
-              <a:rPr lang="en-US"/>
-              <a:t> Tabele : users, teaching, theoryclass, exam, examlist, drivinglessons, assignedgroup</a:t>
-            </a:r>
-          </a:p>
-        </p:txBody>
-      </p:sp>
+              <a:rPr lang="en-US" dirty="0"/>
+              <a:t> </a:t>
+            </a:r>
+            <a:r>
+              <a:rPr lang="en-US" dirty="0" err="1"/>
+              <a:t>Tabele</a:t>
+            </a:r>
+            <a:r>
+              <a:rPr lang="en-US" dirty="0"/>
+              <a:t> : users, teaching, </a:t>
+            </a:r>
+            <a:r>
+              <a:rPr lang="en-US" dirty="0" err="1"/>
+              <a:t>theoryclass</a:t>
+            </a:r>
+            <a:r>
+              <a:rPr lang="en-US" dirty="0"/>
+              <a:t>, exam, </a:t>
+            </a:r>
+            <a:r>
+              <a:rPr lang="en-US" dirty="0" err="1"/>
+              <a:t>examlist</a:t>
+            </a:r>
+            <a:r>
+              <a:rPr lang="en-US" dirty="0"/>
+              <a:t>, </a:t>
+            </a:r>
+            <a:r>
+              <a:rPr lang="en-US" dirty="0" err="1"/>
+              <a:t>drivinglessons</a:t>
+            </a:r>
+            <a:r>
+              <a:rPr lang="en-US" dirty="0"/>
+              <a:t>, </a:t>
+            </a:r>
+            <a:r>
+              <a:rPr lang="en-US" dirty="0" err="1"/>
+              <a:t>assignedgroup</a:t>
+            </a:r>
+            <a:endParaRPr lang="en-US" dirty="0"/>
+          </a:p>
+        </p:txBody>
+      </p:sp>
+      <p:pic>
+        <p:nvPicPr>
+          <p:cNvPr id="5" name="Picture 4" descr="A close up of a sign&#10;&#10;Description automatically generated">
+            <a:extLst>
+              <a:ext uri="{FF2B5EF4-FFF2-40B4-BE49-F238E27FC236}">
+                <a16:creationId xmlns:a16="http://schemas.microsoft.com/office/drawing/2014/main" id="{5F43BD6F-0B30-4BA6-AD78-4E8982285D6D}"/>
+              </a:ext>
+            </a:extLst>
+          </p:cNvPr>
+          <p:cNvPicPr>
+            <a:picLocks noChangeAspect="1"/>
+          </p:cNvPicPr>
+          <p:nvPr/>
+        </p:nvPicPr>
+        <p:blipFill>
+          <a:blip r:embed="rId2">
+            <a:extLst>
+              <a:ext uri="{28A0092B-C50C-407E-A947-70E740481C1C}">
+                <a14:useLocalDpi xmlns:a14="http://schemas.microsoft.com/office/drawing/2010/main" val="0"/>
+              </a:ext>
+            </a:extLst>
+          </a:blip>
+          <a:stretch>
+            <a:fillRect/>
+          </a:stretch>
+        </p:blipFill>
+        <p:spPr>
+          <a:xfrm>
+            <a:off x="8353425" y="2025690"/>
+            <a:ext cx="2162175" cy="1831724"/>
+          </a:xfrm>
+          <a:prstGeom prst="rect">
+            <a:avLst/>
+          </a:prstGeom>
+        </p:spPr>
+      </p:pic>
     </p:spTree>
     <p:extLst>
       <p:ext uri="{BB962C8B-B14F-4D97-AF65-F5344CB8AC3E}">
@@ -5002,30 +5239,43 @@
           <a:lstStyle/>
           <a:p>
             <a:r>
-              <a:rPr lang="en-US"/>
+              <a:rPr lang="en-US" dirty="0"/>
               <a:t>- NetBeans IDE 8.2 </a:t>
             </a:r>
           </a:p>
           <a:p>
             <a:r>
-              <a:rPr lang="en-US"/>
+              <a:rPr lang="en-US" dirty="0"/>
               <a:t>- CodeIgniter 3.1.10</a:t>
             </a:r>
           </a:p>
           <a:p>
             <a:r>
-              <a:rPr lang="en-US"/>
+              <a:rPr lang="en-US" dirty="0"/>
               <a:t>- PHP 7.3.5</a:t>
             </a:r>
           </a:p>
           <a:p>
-            <a:endParaRPr lang="en-US"/>
-          </a:p>
-          <a:p>
-            <a:r>
-              <a:rPr lang="en-US"/>
-              <a:t>- Struktura projekta</a:t>
-            </a:r>
+            <a:endParaRPr lang="en-US" dirty="0"/>
+          </a:p>
+          <a:p>
+            <a:r>
+              <a:rPr lang="en-US" dirty="0"/>
+              <a:t>- </a:t>
+            </a:r>
+            <a:r>
+              <a:rPr lang="en-US" dirty="0" err="1"/>
+              <a:t>Struktura</a:t>
+            </a:r>
+            <a:r>
+              <a:rPr lang="en-US" dirty="0"/>
+              <a:t> </a:t>
+            </a:r>
+            <a:r>
+              <a:rPr lang="en-US" dirty="0" err="1"/>
+              <a:t>projekta</a:t>
+            </a:r>
+            <a:endParaRPr lang="en-US" dirty="0"/>
           </a:p>
         </p:txBody>
       </p:sp>
@@ -5144,6 +5394,347 @@
           </a:p>
         </p:txBody>
       </p:sp>
+      <p:sp>
+        <p:nvSpPr>
+          <p:cNvPr id="4" name="Content Placeholder 2">
+            <a:extLst>
+              <a:ext uri="{FF2B5EF4-FFF2-40B4-BE49-F238E27FC236}">
+                <a16:creationId xmlns:a16="http://schemas.microsoft.com/office/drawing/2014/main" id="{C3F96FE8-42BB-4B9B-A0C6-6E9949CFAFE7}"/>
+              </a:ext>
+            </a:extLst>
+          </p:cNvPr>
+          <p:cNvSpPr txBox="1">
+            <a:spLocks/>
+          </p:cNvSpPr>
+          <p:nvPr/>
+        </p:nvSpPr>
+        <p:spPr>
+          <a:xfrm>
+            <a:off x="1097280" y="2548037"/>
+            <a:ext cx="4193811" cy="1047419"/>
+          </a:xfrm>
+          <a:prstGeom prst="rect">
+            <a:avLst/>
+          </a:prstGeom>
+        </p:spPr>
+        <p:txBody>
+          <a:bodyPr vert="horz" lIns="0" tIns="45720" rIns="0" bIns="45720" rtlCol="0">
+            <a:normAutofit lnSpcReduction="10000"/>
+          </a:bodyPr>
+          <a:lstStyle>
+            <a:lvl1pPr marL="91440" indent="-91440" algn="l" defTabSz="914400" rtl="0" eaLnBrk="1" latinLnBrk="0" hangingPunct="1">
+              <a:lnSpc>
+                <a:spcPct val="90000"/>
+              </a:lnSpc>
+              <a:spcBef>
+                <a:spcPts val="1200"/>
+              </a:spcBef>
+              <a:spcAft>
+                <a:spcPts val="200"/>
+              </a:spcAft>
+              <a:buClr>
+                <a:schemeClr val="accent1"/>
+              </a:buClr>
+              <a:buSzPct val="100000"/>
+              <a:buFont typeface="Calibri" panose="020F0502020204030204" pitchFamily="34" charset="0"/>
+              <a:buChar char=" "/>
+              <a:defRPr sz="2000" kern="1200">
+                <a:solidFill>
+                  <a:schemeClr val="tx1">
+                    <a:lumMod val="75000"/>
+                    <a:lumOff val="25000"/>
+                  </a:schemeClr>
+                </a:solidFill>
+                <a:latin typeface="+mn-lt"/>
+                <a:ea typeface="+mn-ea"/>
+                <a:cs typeface="+mn-cs"/>
+              </a:defRPr>
+            </a:lvl1pPr>
+            <a:lvl2pPr marL="384048" indent="-182880" algn="l" defTabSz="914400" rtl="0" eaLnBrk="1" latinLnBrk="0" hangingPunct="1">
+              <a:lnSpc>
+                <a:spcPct val="90000"/>
+              </a:lnSpc>
+              <a:spcBef>
+                <a:spcPts val="200"/>
+              </a:spcBef>
+              <a:spcAft>
+                <a:spcPts val="400"/>
+              </a:spcAft>
+              <a:buClr>
+                <a:schemeClr val="accent1"/>
+              </a:buClr>
+              <a:buFont typeface="Calibri" pitchFamily="34" charset="0"/>
+              <a:buChar char="◦"/>
+              <a:defRPr sz="1800" kern="1200">
+                <a:solidFill>
+                  <a:schemeClr val="tx1">
+                    <a:lumMod val="75000"/>
+                    <a:lumOff val="25000"/>
+                  </a:schemeClr>
+                </a:solidFill>
+                <a:latin typeface="+mn-lt"/>
+                <a:ea typeface="+mn-ea"/>
+                <a:cs typeface="+mn-cs"/>
+              </a:defRPr>
+            </a:lvl2pPr>
+            <a:lvl3pPr marL="566928" indent="-182880" algn="l" defTabSz="914400" rtl="0" eaLnBrk="1" latinLnBrk="0" hangingPunct="1">
+              <a:lnSpc>
+                <a:spcPct val="90000"/>
+              </a:lnSpc>
+              <a:spcBef>
+                <a:spcPts val="200"/>
+              </a:spcBef>
+              <a:spcAft>
+                <a:spcPts val="400"/>
+              </a:spcAft>
+              <a:buClr>
+                <a:schemeClr val="accent1"/>
+              </a:buClr>
+              <a:buFont typeface="Calibri" pitchFamily="34" charset="0"/>
+              <a:buChar char="◦"/>
+              <a:defRPr sz="1400" kern="1200">
+                <a:solidFill>
+                  <a:schemeClr val="tx1">
+                    <a:lumMod val="75000"/>
+                    <a:lumOff val="25000"/>
+                  </a:schemeClr>
+                </a:solidFill>
+                <a:latin typeface="+mn-lt"/>
+                <a:ea typeface="+mn-ea"/>
+                <a:cs typeface="+mn-cs"/>
+              </a:defRPr>
+            </a:lvl3pPr>
+            <a:lvl4pPr marL="749808" indent="-182880" algn="l" defTabSz="914400" rtl="0" eaLnBrk="1" latinLnBrk="0" hangingPunct="1">
+              <a:lnSpc>
+                <a:spcPct val="90000"/>
+              </a:lnSpc>
+              <a:spcBef>
+                <a:spcPts val="200"/>
+              </a:spcBef>
+              <a:spcAft>
+                <a:spcPts val="400"/>
+              </a:spcAft>
+              <a:buClr>
+                <a:schemeClr val="accent1"/>
+              </a:buClr>
+              <a:buFont typeface="Calibri" pitchFamily="34" charset="0"/>
+              <a:buChar char="◦"/>
+              <a:defRPr sz="1400" kern="1200">
+                <a:solidFill>
+                  <a:schemeClr val="tx1">
+                    <a:lumMod val="75000"/>
+                    <a:lumOff val="25000"/>
+                  </a:schemeClr>
+                </a:solidFill>
+                <a:latin typeface="+mn-lt"/>
+                <a:ea typeface="+mn-ea"/>
+                <a:cs typeface="+mn-cs"/>
+              </a:defRPr>
+            </a:lvl4pPr>
+            <a:lvl5pPr marL="932688" indent="-182880" algn="l" defTabSz="914400" rtl="0" eaLnBrk="1" latinLnBrk="0" hangingPunct="1">
+              <a:lnSpc>
+                <a:spcPct val="90000"/>
+              </a:lnSpc>
+              <a:spcBef>
+                <a:spcPts val="200"/>
+              </a:spcBef>
+              <a:spcAft>
+                <a:spcPts val="400"/>
+              </a:spcAft>
+              <a:buClr>
+                <a:schemeClr val="accent1"/>
+              </a:buClr>
+              <a:buFont typeface="Calibri" pitchFamily="34" charset="0"/>
+              <a:buChar char="◦"/>
+              <a:defRPr sz="1400" kern="1200">
+                <a:solidFill>
+                  <a:schemeClr val="tx1">
+                    <a:lumMod val="75000"/>
+                    <a:lumOff val="25000"/>
+                  </a:schemeClr>
+                </a:solidFill>
+                <a:latin typeface="+mn-lt"/>
+                <a:ea typeface="+mn-ea"/>
+                <a:cs typeface="+mn-cs"/>
+              </a:defRPr>
+            </a:lvl5pPr>
+            <a:lvl6pPr marL="1100000" indent="-228600" algn="l" defTabSz="914400" rtl="0" eaLnBrk="1" latinLnBrk="0" hangingPunct="1">
+              <a:lnSpc>
+                <a:spcPct val="90000"/>
+              </a:lnSpc>
+              <a:spcBef>
+                <a:spcPts val="200"/>
+              </a:spcBef>
+              <a:spcAft>
+                <a:spcPts val="400"/>
+              </a:spcAft>
+              <a:buClr>
+                <a:schemeClr val="accent1"/>
+              </a:buClr>
+              <a:buFont typeface="Calibri" pitchFamily="34" charset="0"/>
+              <a:buChar char="◦"/>
+              <a:defRPr sz="1400" kern="1200">
+                <a:solidFill>
+                  <a:schemeClr val="tx1">
+                    <a:lumMod val="75000"/>
+                    <a:lumOff val="25000"/>
+                  </a:schemeClr>
+                </a:solidFill>
+                <a:latin typeface="+mn-lt"/>
+                <a:ea typeface="+mn-ea"/>
+                <a:cs typeface="+mn-cs"/>
+              </a:defRPr>
+            </a:lvl6pPr>
+            <a:lvl7pPr marL="1300000" indent="-228600" algn="l" defTabSz="914400" rtl="0" eaLnBrk="1" latinLnBrk="0" hangingPunct="1">
+              <a:lnSpc>
+                <a:spcPct val="90000"/>
+              </a:lnSpc>
+              <a:spcBef>
+                <a:spcPts val="200"/>
+              </a:spcBef>
+              <a:spcAft>
+                <a:spcPts val="400"/>
+              </a:spcAft>
+              <a:buClr>
+                <a:schemeClr val="accent1"/>
+              </a:buClr>
+              <a:buFont typeface="Calibri" pitchFamily="34" charset="0"/>
+              <a:buChar char="◦"/>
+              <a:defRPr sz="1400" kern="1200">
+                <a:solidFill>
+                  <a:schemeClr val="tx1">
+                    <a:lumMod val="75000"/>
+                    <a:lumOff val="25000"/>
+                  </a:schemeClr>
+                </a:solidFill>
+                <a:latin typeface="+mn-lt"/>
+                <a:ea typeface="+mn-ea"/>
+                <a:cs typeface="+mn-cs"/>
+              </a:defRPr>
+            </a:lvl7pPr>
+            <a:lvl8pPr marL="1500000" indent="-228600" algn="l" defTabSz="914400" rtl="0" eaLnBrk="1" latinLnBrk="0" hangingPunct="1">
+              <a:lnSpc>
+                <a:spcPct val="90000"/>
+              </a:lnSpc>
+              <a:spcBef>
+                <a:spcPts val="200"/>
+              </a:spcBef>
+              <a:spcAft>
+                <a:spcPts val="400"/>
+              </a:spcAft>
+              <a:buClr>
+                <a:schemeClr val="accent1"/>
+              </a:buClr>
+              <a:buFont typeface="Calibri" pitchFamily="34" charset="0"/>
+              <a:buChar char="◦"/>
+              <a:defRPr sz="1400" kern="1200">
+                <a:solidFill>
+                  <a:schemeClr val="tx1">
+                    <a:lumMod val="75000"/>
+                    <a:lumOff val="25000"/>
+                  </a:schemeClr>
+                </a:solidFill>
+                <a:latin typeface="+mn-lt"/>
+                <a:ea typeface="+mn-ea"/>
+                <a:cs typeface="+mn-cs"/>
+              </a:defRPr>
+            </a:lvl8pPr>
+            <a:lvl9pPr marL="1700000" indent="-228600" algn="l" defTabSz="914400" rtl="0" eaLnBrk="1" latinLnBrk="0" hangingPunct="1">
+              <a:lnSpc>
+                <a:spcPct val="90000"/>
+              </a:lnSpc>
+              <a:spcBef>
+                <a:spcPts val="200"/>
+              </a:spcBef>
+              <a:spcAft>
+                <a:spcPts val="400"/>
+              </a:spcAft>
+              <a:buClr>
+                <a:schemeClr val="accent1"/>
+              </a:buClr>
+              <a:buFont typeface="Calibri" pitchFamily="34" charset="0"/>
+              <a:buChar char="◦"/>
+              <a:defRPr sz="1400" kern="1200">
+                <a:solidFill>
+                  <a:schemeClr val="tx1">
+                    <a:lumMod val="75000"/>
+                    <a:lumOff val="25000"/>
+                  </a:schemeClr>
+                </a:solidFill>
+                <a:latin typeface="+mn-lt"/>
+                <a:ea typeface="+mn-ea"/>
+                <a:cs typeface="+mn-cs"/>
+              </a:defRPr>
+            </a:lvl9pPr>
+          </a:lstStyle>
+          <a:p>
+            <a:r>
+              <a:rPr lang="en-US" dirty="0"/>
+              <a:t>- </a:t>
+            </a:r>
+            <a:r>
+              <a:rPr lang="sr-Latn-RS" dirty="0"/>
+              <a:t>Testirane su sve funkcionalnosti priložene u SSU dokumentima</a:t>
+            </a:r>
+            <a:endParaRPr lang="en-US" dirty="0"/>
+          </a:p>
+          <a:p>
+            <a:r>
+              <a:rPr lang="en-US" dirty="0"/>
+              <a:t>- </a:t>
+            </a:r>
+            <a:r>
+              <a:rPr lang="sr-Latn-RS" dirty="0"/>
+              <a:t>Korišćen je alat </a:t>
+            </a:r>
+            <a:r>
+              <a:rPr lang="sr-Latn-RS" dirty="0" err="1"/>
+              <a:t>Selenium</a:t>
+            </a:r>
+            <a:r>
+              <a:rPr lang="sr-Latn-RS" dirty="0"/>
+              <a:t> IDE</a:t>
+            </a:r>
+            <a:endParaRPr lang="en-US" dirty="0"/>
+          </a:p>
+        </p:txBody>
+      </p:sp>
+      <p:pic>
+        <p:nvPicPr>
+          <p:cNvPr id="6" name="Picture 5" descr="A screenshot of a cell phone&#10;&#10;Description automatically generated">
+            <a:extLst>
+              <a:ext uri="{FF2B5EF4-FFF2-40B4-BE49-F238E27FC236}">
+                <a16:creationId xmlns:a16="http://schemas.microsoft.com/office/drawing/2014/main" id="{1B027268-4EA6-46A4-874F-7C944F86F340}"/>
+              </a:ext>
+            </a:extLst>
+          </p:cNvPr>
+          <p:cNvPicPr>
+            <a:picLocks noChangeAspect="1"/>
+          </p:cNvPicPr>
+          <p:nvPr/>
+        </p:nvPicPr>
+        <p:blipFill>
+          <a:blip r:embed="rId2">
+            <a:extLst>
+              <a:ext uri="{28A0092B-C50C-407E-A947-70E740481C1C}">
+                <a14:useLocalDpi xmlns:a14="http://schemas.microsoft.com/office/drawing/2010/main" val="0"/>
+              </a:ext>
+            </a:extLst>
+          </a:blip>
+          <a:stretch>
+            <a:fillRect/>
+          </a:stretch>
+        </p:blipFill>
+        <p:spPr>
+          <a:xfrm>
+            <a:off x="7116931" y="577149"/>
+            <a:ext cx="4122198" cy="5232021"/>
+          </a:xfrm>
+          <a:prstGeom prst="rect">
+            <a:avLst/>
+          </a:prstGeom>
+        </p:spPr>
+      </p:pic>
     </p:spTree>
     <p:extLst>
       <p:ext uri="{BB962C8B-B14F-4D97-AF65-F5344CB8AC3E}">
